--- a/6. 빅데이터/프레젠테이션1.pptx
+++ b/6. 빅데이터/프레젠테이션1.pptx
@@ -6,6 +6,7 @@
   </p:sldMasterIdLst>
   <p:sldIdLst>
     <p:sldId id="256" r:id="rId2"/>
+    <p:sldId id="257" r:id="rId3"/>
   </p:sldIdLst>
   <p:sldSz cx="12192000" cy="6858000"/>
   <p:notesSz cx="6858000" cy="9144000"/>
@@ -104,6 +105,11 @@
       </a:defRPr>
     </a:lvl9pPr>
   </p:defaultTextStyle>
+  <p:extLst>
+    <p:ext uri="{EFAFB233-063F-42B5-8137-9DF3F51BA10A}">
+      <p15:sldGuideLst xmlns:p15="http://schemas.microsoft.com/office/powerpoint/2012/main"/>
+    </p:ext>
+  </p:extLst>
 </p:presentation>
 </file>
 
@@ -238,7 +244,7 @@
           <a:p>
             <a:fld id="{C0E83F52-933A-4701-849E-8C908AA7EB97}" type="datetimeFigureOut">
               <a:rPr lang="ko-KR" altLang="en-US" smtClean="0"/>
-              <a:t>2020-03-09</a:t>
+              <a:t>2020-03-19</a:t>
             </a:fld>
             <a:endParaRPr lang="ko-KR" altLang="en-US"/>
           </a:p>
@@ -408,7 +414,7 @@
           <a:p>
             <a:fld id="{C0E83F52-933A-4701-849E-8C908AA7EB97}" type="datetimeFigureOut">
               <a:rPr lang="ko-KR" altLang="en-US" smtClean="0"/>
-              <a:t>2020-03-09</a:t>
+              <a:t>2020-03-19</a:t>
             </a:fld>
             <a:endParaRPr lang="ko-KR" altLang="en-US"/>
           </a:p>
@@ -588,7 +594,7 @@
           <a:p>
             <a:fld id="{C0E83F52-933A-4701-849E-8C908AA7EB97}" type="datetimeFigureOut">
               <a:rPr lang="ko-KR" altLang="en-US" smtClean="0"/>
-              <a:t>2020-03-09</a:t>
+              <a:t>2020-03-19</a:t>
             </a:fld>
             <a:endParaRPr lang="ko-KR" altLang="en-US"/>
           </a:p>
@@ -758,7 +764,7 @@
           <a:p>
             <a:fld id="{C0E83F52-933A-4701-849E-8C908AA7EB97}" type="datetimeFigureOut">
               <a:rPr lang="ko-KR" altLang="en-US" smtClean="0"/>
-              <a:t>2020-03-09</a:t>
+              <a:t>2020-03-19</a:t>
             </a:fld>
             <a:endParaRPr lang="ko-KR" altLang="en-US"/>
           </a:p>
@@ -1004,7 +1010,7 @@
           <a:p>
             <a:fld id="{C0E83F52-933A-4701-849E-8C908AA7EB97}" type="datetimeFigureOut">
               <a:rPr lang="ko-KR" altLang="en-US" smtClean="0"/>
-              <a:t>2020-03-09</a:t>
+              <a:t>2020-03-19</a:t>
             </a:fld>
             <a:endParaRPr lang="ko-KR" altLang="en-US"/>
           </a:p>
@@ -1236,7 +1242,7 @@
           <a:p>
             <a:fld id="{C0E83F52-933A-4701-849E-8C908AA7EB97}" type="datetimeFigureOut">
               <a:rPr lang="ko-KR" altLang="en-US" smtClean="0"/>
-              <a:t>2020-03-09</a:t>
+              <a:t>2020-03-19</a:t>
             </a:fld>
             <a:endParaRPr lang="ko-KR" altLang="en-US"/>
           </a:p>
@@ -1603,7 +1609,7 @@
           <a:p>
             <a:fld id="{C0E83F52-933A-4701-849E-8C908AA7EB97}" type="datetimeFigureOut">
               <a:rPr lang="ko-KR" altLang="en-US" smtClean="0"/>
-              <a:t>2020-03-09</a:t>
+              <a:t>2020-03-19</a:t>
             </a:fld>
             <a:endParaRPr lang="ko-KR" altLang="en-US"/>
           </a:p>
@@ -1721,7 +1727,7 @@
           <a:p>
             <a:fld id="{C0E83F52-933A-4701-849E-8C908AA7EB97}" type="datetimeFigureOut">
               <a:rPr lang="ko-KR" altLang="en-US" smtClean="0"/>
-              <a:t>2020-03-09</a:t>
+              <a:t>2020-03-19</a:t>
             </a:fld>
             <a:endParaRPr lang="ko-KR" altLang="en-US"/>
           </a:p>
@@ -1816,7 +1822,7 @@
           <a:p>
             <a:fld id="{C0E83F52-933A-4701-849E-8C908AA7EB97}" type="datetimeFigureOut">
               <a:rPr lang="ko-KR" altLang="en-US" smtClean="0"/>
-              <a:t>2020-03-09</a:t>
+              <a:t>2020-03-19</a:t>
             </a:fld>
             <a:endParaRPr lang="ko-KR" altLang="en-US"/>
           </a:p>
@@ -2093,7 +2099,7 @@
           <a:p>
             <a:fld id="{C0E83F52-933A-4701-849E-8C908AA7EB97}" type="datetimeFigureOut">
               <a:rPr lang="ko-KR" altLang="en-US" smtClean="0"/>
-              <a:t>2020-03-09</a:t>
+              <a:t>2020-03-19</a:t>
             </a:fld>
             <a:endParaRPr lang="ko-KR" altLang="en-US"/>
           </a:p>
@@ -2346,7 +2352,7 @@
           <a:p>
             <a:fld id="{C0E83F52-933A-4701-849E-8C908AA7EB97}" type="datetimeFigureOut">
               <a:rPr lang="ko-KR" altLang="en-US" smtClean="0"/>
-              <a:t>2020-03-09</a:t>
+              <a:t>2020-03-19</a:t>
             </a:fld>
             <a:endParaRPr lang="ko-KR" altLang="en-US"/>
           </a:p>
@@ -2559,7 +2565,7 @@
           <a:p>
             <a:fld id="{C0E83F52-933A-4701-849E-8C908AA7EB97}" type="datetimeFigureOut">
               <a:rPr lang="ko-KR" altLang="en-US" smtClean="0"/>
-              <a:t>2020-03-09</a:t>
+              <a:t>2020-03-19</a:t>
             </a:fld>
             <a:endParaRPr lang="ko-KR" altLang="en-US"/>
           </a:p>
@@ -3838,6 +3844,826 @@
 </p:sld>
 </file>
 
+<file path=ppt/slides/slide2.xml><?xml version="1.0" encoding="utf-8"?>
+<p:sld xmlns:a="http://schemas.openxmlformats.org/drawingml/2006/main" xmlns:r="http://schemas.openxmlformats.org/officeDocument/2006/relationships" xmlns:p="http://schemas.openxmlformats.org/presentationml/2006/main">
+  <p:cSld>
+    <p:spTree>
+      <p:nvGrpSpPr>
+        <p:cNvPr id="1" name=""/>
+        <p:cNvGrpSpPr/>
+        <p:nvPr/>
+      </p:nvGrpSpPr>
+      <p:grpSpPr>
+        <a:xfrm>
+          <a:off x="0" y="0"/>
+          <a:ext cx="0" cy="0"/>
+          <a:chOff x="0" y="0"/>
+          <a:chExt cx="0" cy="0"/>
+        </a:xfrm>
+      </p:grpSpPr>
+      <p:sp>
+        <p:nvSpPr>
+          <p:cNvPr id="4" name="직사각형 3"/>
+          <p:cNvSpPr/>
+          <p:nvPr/>
+        </p:nvSpPr>
+        <p:spPr>
+          <a:xfrm>
+            <a:off x="789140" y="701458"/>
+            <a:ext cx="1152394" cy="989556"/>
+          </a:xfrm>
+          <a:prstGeom prst="rect">
+            <a:avLst/>
+          </a:prstGeom>
+          <a:noFill/>
+          <a:ln w="63500"/>
+        </p:spPr>
+        <p:style>
+          <a:lnRef idx="2">
+            <a:schemeClr val="accent1">
+              <a:shade val="50000"/>
+            </a:schemeClr>
+          </a:lnRef>
+          <a:fillRef idx="1">
+            <a:schemeClr val="accent1"/>
+          </a:fillRef>
+          <a:effectRef idx="0">
+            <a:schemeClr val="accent1"/>
+          </a:effectRef>
+          <a:fontRef idx="minor">
+            <a:schemeClr val="lt1"/>
+          </a:fontRef>
+        </p:style>
+        <p:txBody>
+          <a:bodyPr rtlCol="0" anchor="ctr"/>
+          <a:lstStyle/>
+          <a:p>
+            <a:pPr algn="ctr"/>
+            <a:r>
+              <a:rPr lang="en-US" altLang="ko-KR" dirty="0" smtClean="0">
+                <a:solidFill>
+                  <a:schemeClr val="tx1"/>
+                </a:solidFill>
+              </a:rPr>
+              <a:t>RDBMS</a:t>
+            </a:r>
+            <a:endParaRPr lang="ko-KR" altLang="en-US" dirty="0">
+              <a:solidFill>
+                <a:schemeClr val="tx1"/>
+              </a:solidFill>
+            </a:endParaRPr>
+          </a:p>
+        </p:txBody>
+      </p:sp>
+      <p:sp>
+        <p:nvSpPr>
+          <p:cNvPr id="5" name="직사각형 4"/>
+          <p:cNvSpPr/>
+          <p:nvPr/>
+        </p:nvSpPr>
+        <p:spPr>
+          <a:xfrm>
+            <a:off x="789140" y="2194143"/>
+            <a:ext cx="1152394" cy="989556"/>
+          </a:xfrm>
+          <a:prstGeom prst="rect">
+            <a:avLst/>
+          </a:prstGeom>
+          <a:noFill/>
+          <a:ln w="63500"/>
+        </p:spPr>
+        <p:style>
+          <a:lnRef idx="2">
+            <a:schemeClr val="accent1">
+              <a:shade val="50000"/>
+            </a:schemeClr>
+          </a:lnRef>
+          <a:fillRef idx="1">
+            <a:schemeClr val="accent1"/>
+          </a:fillRef>
+          <a:effectRef idx="0">
+            <a:schemeClr val="accent1"/>
+          </a:effectRef>
+          <a:fontRef idx="minor">
+            <a:schemeClr val="lt1"/>
+          </a:fontRef>
+        </p:style>
+        <p:txBody>
+          <a:bodyPr rtlCol="0" anchor="ctr"/>
+          <a:lstStyle/>
+          <a:p>
+            <a:pPr algn="ctr"/>
+            <a:r>
+              <a:rPr lang="en-US" altLang="ko-KR" dirty="0" smtClean="0">
+                <a:solidFill>
+                  <a:schemeClr val="tx1"/>
+                </a:solidFill>
+              </a:rPr>
+              <a:t>log</a:t>
+            </a:r>
+            <a:endParaRPr lang="ko-KR" altLang="en-US" dirty="0">
+              <a:solidFill>
+                <a:schemeClr val="tx1"/>
+              </a:solidFill>
+            </a:endParaRPr>
+          </a:p>
+        </p:txBody>
+      </p:sp>
+      <p:sp>
+        <p:nvSpPr>
+          <p:cNvPr id="6" name="직사각형 5"/>
+          <p:cNvSpPr/>
+          <p:nvPr/>
+        </p:nvSpPr>
+        <p:spPr>
+          <a:xfrm>
+            <a:off x="2945704" y="2511468"/>
+            <a:ext cx="1152394" cy="989556"/>
+          </a:xfrm>
+          <a:prstGeom prst="rect">
+            <a:avLst/>
+          </a:prstGeom>
+          <a:noFill/>
+          <a:ln w="63500"/>
+        </p:spPr>
+        <p:style>
+          <a:lnRef idx="2">
+            <a:schemeClr val="accent1">
+              <a:shade val="50000"/>
+            </a:schemeClr>
+          </a:lnRef>
+          <a:fillRef idx="1">
+            <a:schemeClr val="accent1"/>
+          </a:fillRef>
+          <a:effectRef idx="0">
+            <a:schemeClr val="accent1"/>
+          </a:effectRef>
+          <a:fontRef idx="minor">
+            <a:schemeClr val="lt1"/>
+          </a:fontRef>
+        </p:style>
+        <p:txBody>
+          <a:bodyPr rtlCol="0" anchor="ctr"/>
+          <a:lstStyle/>
+          <a:p>
+            <a:pPr algn="ctr"/>
+            <a:r>
+              <a:rPr lang="ko-KR" altLang="en-US" smtClean="0">
+                <a:solidFill>
+                  <a:schemeClr val="tx1"/>
+                </a:solidFill>
+              </a:rPr>
+              <a:t>플룸</a:t>
+            </a:r>
+            <a:endParaRPr lang="ko-KR" altLang="en-US" dirty="0">
+              <a:solidFill>
+                <a:schemeClr val="tx1"/>
+              </a:solidFill>
+            </a:endParaRPr>
+          </a:p>
+        </p:txBody>
+      </p:sp>
+      <p:sp>
+        <p:nvSpPr>
+          <p:cNvPr id="7" name="직사각형 6"/>
+          <p:cNvSpPr/>
+          <p:nvPr/>
+        </p:nvSpPr>
+        <p:spPr>
+          <a:xfrm>
+            <a:off x="789140" y="3938506"/>
+            <a:ext cx="1152394" cy="989556"/>
+          </a:xfrm>
+          <a:prstGeom prst="rect">
+            <a:avLst/>
+          </a:prstGeom>
+          <a:noFill/>
+          <a:ln w="63500"/>
+        </p:spPr>
+        <p:style>
+          <a:lnRef idx="2">
+            <a:schemeClr val="accent1">
+              <a:shade val="50000"/>
+            </a:schemeClr>
+          </a:lnRef>
+          <a:fillRef idx="1">
+            <a:schemeClr val="accent1"/>
+          </a:fillRef>
+          <a:effectRef idx="0">
+            <a:schemeClr val="accent1"/>
+          </a:effectRef>
+          <a:fontRef idx="minor">
+            <a:schemeClr val="lt1"/>
+          </a:fontRef>
+        </p:style>
+        <p:txBody>
+          <a:bodyPr rtlCol="0" anchor="ctr"/>
+          <a:lstStyle/>
+          <a:p>
+            <a:pPr algn="ctr"/>
+            <a:r>
+              <a:rPr lang="ko-KR" altLang="en-US" dirty="0" err="1" smtClean="0">
+                <a:solidFill>
+                  <a:schemeClr val="tx1"/>
+                </a:solidFill>
+              </a:rPr>
+              <a:t>웹크롤링</a:t>
+            </a:r>
+            <a:endParaRPr lang="ko-KR" altLang="en-US" dirty="0">
+              <a:solidFill>
+                <a:schemeClr val="tx1"/>
+              </a:solidFill>
+            </a:endParaRPr>
+          </a:p>
+        </p:txBody>
+      </p:sp>
+      <p:sp>
+        <p:nvSpPr>
+          <p:cNvPr id="8" name="직사각형 7"/>
+          <p:cNvSpPr/>
+          <p:nvPr/>
+        </p:nvSpPr>
+        <p:spPr>
+          <a:xfrm>
+            <a:off x="2945704" y="929013"/>
+            <a:ext cx="1152394" cy="989556"/>
+          </a:xfrm>
+          <a:prstGeom prst="rect">
+            <a:avLst/>
+          </a:prstGeom>
+          <a:noFill/>
+          <a:ln w="63500"/>
+        </p:spPr>
+        <p:style>
+          <a:lnRef idx="2">
+            <a:schemeClr val="accent1">
+              <a:shade val="50000"/>
+            </a:schemeClr>
+          </a:lnRef>
+          <a:fillRef idx="1">
+            <a:schemeClr val="accent1"/>
+          </a:fillRef>
+          <a:effectRef idx="0">
+            <a:schemeClr val="accent1"/>
+          </a:effectRef>
+          <a:fontRef idx="minor">
+            <a:schemeClr val="lt1"/>
+          </a:fontRef>
+        </p:style>
+        <p:txBody>
+          <a:bodyPr rtlCol="0" anchor="ctr"/>
+          <a:lstStyle/>
+          <a:p>
+            <a:pPr algn="ctr"/>
+            <a:r>
+              <a:rPr lang="ko-KR" altLang="en-US" smtClean="0">
+                <a:solidFill>
+                  <a:schemeClr val="tx1"/>
+                </a:solidFill>
+              </a:rPr>
+              <a:t>스쿱</a:t>
+            </a:r>
+            <a:endParaRPr lang="ko-KR" altLang="en-US" dirty="0">
+              <a:solidFill>
+                <a:schemeClr val="tx1"/>
+              </a:solidFill>
+            </a:endParaRPr>
+          </a:p>
+        </p:txBody>
+      </p:sp>
+      <p:sp>
+        <p:nvSpPr>
+          <p:cNvPr id="9" name="직사각형 8"/>
+          <p:cNvSpPr/>
+          <p:nvPr/>
+        </p:nvSpPr>
+        <p:spPr>
+          <a:xfrm>
+            <a:off x="4901852" y="929013"/>
+            <a:ext cx="3240065" cy="3146121"/>
+          </a:xfrm>
+          <a:prstGeom prst="rect">
+            <a:avLst/>
+          </a:prstGeom>
+          <a:noFill/>
+          <a:ln w="63500"/>
+        </p:spPr>
+        <p:style>
+          <a:lnRef idx="2">
+            <a:schemeClr val="accent1">
+              <a:shade val="50000"/>
+            </a:schemeClr>
+          </a:lnRef>
+          <a:fillRef idx="1">
+            <a:schemeClr val="accent1"/>
+          </a:fillRef>
+          <a:effectRef idx="0">
+            <a:schemeClr val="accent1"/>
+          </a:effectRef>
+          <a:fontRef idx="minor">
+            <a:schemeClr val="lt1"/>
+          </a:fontRef>
+        </p:style>
+        <p:txBody>
+          <a:bodyPr rtlCol="0" anchor="ctr"/>
+          <a:lstStyle/>
+          <a:p>
+            <a:pPr algn="ctr"/>
+            <a:r>
+              <a:rPr lang="ko-KR" altLang="en-US" dirty="0" err="1" smtClean="0">
+                <a:solidFill>
+                  <a:schemeClr val="tx1"/>
+                </a:solidFill>
+              </a:rPr>
+              <a:t>몽고유</a:t>
+            </a:r>
+            <a:endParaRPr lang="en-US" altLang="ko-KR" dirty="0">
+              <a:solidFill>
+                <a:schemeClr val="tx1"/>
+              </a:solidFill>
+            </a:endParaRPr>
+          </a:p>
+          <a:p>
+            <a:pPr algn="ctr"/>
+            <a:endParaRPr lang="en-US" altLang="ko-KR" dirty="0" smtClean="0">
+              <a:solidFill>
+                <a:schemeClr val="tx1"/>
+              </a:solidFill>
+            </a:endParaRPr>
+          </a:p>
+          <a:p>
+            <a:pPr algn="ctr"/>
+            <a:r>
+              <a:rPr lang="en-US" altLang="ko-KR" dirty="0" err="1" smtClean="0">
+                <a:solidFill>
+                  <a:schemeClr val="tx1"/>
+                </a:solidFill>
+              </a:rPr>
+              <a:t>MapReduce</a:t>
+            </a:r>
+            <a:endParaRPr lang="en-US" altLang="ko-KR" dirty="0" smtClean="0">
+              <a:solidFill>
+                <a:schemeClr val="tx1"/>
+              </a:solidFill>
+            </a:endParaRPr>
+          </a:p>
+          <a:p>
+            <a:pPr algn="ctr"/>
+            <a:endParaRPr lang="en-US" altLang="ko-KR" dirty="0">
+              <a:solidFill>
+                <a:schemeClr val="tx1"/>
+              </a:solidFill>
+            </a:endParaRPr>
+          </a:p>
+          <a:p>
+            <a:pPr algn="ctr"/>
+            <a:r>
+              <a:rPr lang="en-US" altLang="ko-KR" dirty="0" smtClean="0">
+                <a:solidFill>
+                  <a:schemeClr val="tx1"/>
+                </a:solidFill>
+              </a:rPr>
+              <a:t>HDFS</a:t>
+            </a:r>
+            <a:endParaRPr lang="ko-KR" altLang="en-US" dirty="0">
+              <a:solidFill>
+                <a:schemeClr val="tx1"/>
+              </a:solidFill>
+            </a:endParaRPr>
+          </a:p>
+        </p:txBody>
+      </p:sp>
+      <p:sp>
+        <p:nvSpPr>
+          <p:cNvPr id="11" name="직사각형 10"/>
+          <p:cNvSpPr/>
+          <p:nvPr/>
+        </p:nvSpPr>
+        <p:spPr>
+          <a:xfrm>
+            <a:off x="9298488" y="1196236"/>
+            <a:ext cx="1152394" cy="989556"/>
+          </a:xfrm>
+          <a:prstGeom prst="rect">
+            <a:avLst/>
+          </a:prstGeom>
+          <a:noFill/>
+          <a:ln w="63500"/>
+        </p:spPr>
+        <p:style>
+          <a:lnRef idx="2">
+            <a:schemeClr val="accent1">
+              <a:shade val="50000"/>
+            </a:schemeClr>
+          </a:lnRef>
+          <a:fillRef idx="1">
+            <a:schemeClr val="accent1"/>
+          </a:fillRef>
+          <a:effectRef idx="0">
+            <a:schemeClr val="accent1"/>
+          </a:effectRef>
+          <a:fontRef idx="minor">
+            <a:schemeClr val="lt1"/>
+          </a:fontRef>
+        </p:style>
+        <p:txBody>
+          <a:bodyPr rtlCol="0" anchor="ctr"/>
+          <a:lstStyle/>
+          <a:p>
+            <a:pPr algn="ctr"/>
+            <a:r>
+              <a:rPr lang="ko-KR" altLang="en-US" smtClean="0">
+                <a:solidFill>
+                  <a:schemeClr val="tx1"/>
+                </a:solidFill>
+              </a:rPr>
+              <a:t>메모리</a:t>
+            </a:r>
+            <a:endParaRPr lang="ko-KR" altLang="en-US" dirty="0">
+              <a:solidFill>
+                <a:schemeClr val="tx1"/>
+              </a:solidFill>
+            </a:endParaRPr>
+          </a:p>
+        </p:txBody>
+      </p:sp>
+      <p:sp>
+        <p:nvSpPr>
+          <p:cNvPr id="12" name="직사각형 11"/>
+          <p:cNvSpPr/>
+          <p:nvPr/>
+        </p:nvSpPr>
+        <p:spPr>
+          <a:xfrm>
+            <a:off x="9298488" y="2778691"/>
+            <a:ext cx="1152394" cy="989556"/>
+          </a:xfrm>
+          <a:prstGeom prst="rect">
+            <a:avLst/>
+          </a:prstGeom>
+          <a:noFill/>
+          <a:ln w="63500"/>
+        </p:spPr>
+        <p:style>
+          <a:lnRef idx="2">
+            <a:schemeClr val="accent1">
+              <a:shade val="50000"/>
+            </a:schemeClr>
+          </a:lnRef>
+          <a:fillRef idx="1">
+            <a:schemeClr val="accent1"/>
+          </a:fillRef>
+          <a:effectRef idx="0">
+            <a:schemeClr val="accent1"/>
+          </a:effectRef>
+          <a:fontRef idx="minor">
+            <a:schemeClr val="lt1"/>
+          </a:fontRef>
+        </p:style>
+        <p:txBody>
+          <a:bodyPr rtlCol="0" anchor="ctr"/>
+          <a:lstStyle/>
+          <a:p>
+            <a:pPr algn="ctr"/>
+            <a:r>
+              <a:rPr lang="en-US" altLang="ko-KR" dirty="0" smtClean="0">
+                <a:solidFill>
+                  <a:schemeClr val="tx1"/>
+                </a:solidFill>
+              </a:rPr>
+              <a:t>R</a:t>
+            </a:r>
+            <a:r>
+              <a:rPr lang="ko-KR" altLang="en-US" dirty="0" smtClean="0">
+                <a:solidFill>
+                  <a:schemeClr val="tx1"/>
+                </a:solidFill>
+              </a:rPr>
+              <a:t>분석</a:t>
+            </a:r>
+            <a:endParaRPr lang="ko-KR" altLang="en-US" dirty="0">
+              <a:solidFill>
+                <a:schemeClr val="tx1"/>
+              </a:solidFill>
+            </a:endParaRPr>
+          </a:p>
+        </p:txBody>
+      </p:sp>
+      <p:sp>
+        <p:nvSpPr>
+          <p:cNvPr id="13" name="오른쪽 화살표 12"/>
+          <p:cNvSpPr/>
+          <p:nvPr/>
+        </p:nvSpPr>
+        <p:spPr>
+          <a:xfrm rot="1885379">
+            <a:off x="2174310" y="1028736"/>
+            <a:ext cx="638827" cy="313151"/>
+          </a:xfrm>
+          <a:prstGeom prst="rightArrow">
+            <a:avLst/>
+          </a:prstGeom>
+        </p:spPr>
+        <p:style>
+          <a:lnRef idx="2">
+            <a:schemeClr val="accent1">
+              <a:shade val="50000"/>
+            </a:schemeClr>
+          </a:lnRef>
+          <a:fillRef idx="1">
+            <a:schemeClr val="accent1"/>
+          </a:fillRef>
+          <a:effectRef idx="0">
+            <a:schemeClr val="accent1"/>
+          </a:effectRef>
+          <a:fontRef idx="minor">
+            <a:schemeClr val="lt1"/>
+          </a:fontRef>
+        </p:style>
+        <p:txBody>
+          <a:bodyPr rtlCol="0" anchor="ctr"/>
+          <a:lstStyle/>
+          <a:p>
+            <a:pPr algn="ctr"/>
+            <a:endParaRPr lang="ko-KR" altLang="en-US"/>
+          </a:p>
+        </p:txBody>
+      </p:sp>
+      <p:sp>
+        <p:nvSpPr>
+          <p:cNvPr id="14" name="오른쪽 화살표 13"/>
+          <p:cNvSpPr/>
+          <p:nvPr/>
+        </p:nvSpPr>
+        <p:spPr>
+          <a:xfrm rot="1885379">
+            <a:off x="2174311" y="2590314"/>
+            <a:ext cx="638827" cy="313151"/>
+          </a:xfrm>
+          <a:prstGeom prst="rightArrow">
+            <a:avLst/>
+          </a:prstGeom>
+        </p:spPr>
+        <p:style>
+          <a:lnRef idx="2">
+            <a:schemeClr val="accent1">
+              <a:shade val="50000"/>
+            </a:schemeClr>
+          </a:lnRef>
+          <a:fillRef idx="1">
+            <a:schemeClr val="accent1"/>
+          </a:fillRef>
+          <a:effectRef idx="0">
+            <a:schemeClr val="accent1"/>
+          </a:effectRef>
+          <a:fontRef idx="minor">
+            <a:schemeClr val="lt1"/>
+          </a:fontRef>
+        </p:style>
+        <p:txBody>
+          <a:bodyPr rtlCol="0" anchor="ctr"/>
+          <a:lstStyle/>
+          <a:p>
+            <a:pPr algn="ctr"/>
+            <a:endParaRPr lang="ko-KR" altLang="en-US"/>
+          </a:p>
+        </p:txBody>
+      </p:sp>
+      <p:sp>
+        <p:nvSpPr>
+          <p:cNvPr id="15" name="오른쪽 화살표 14"/>
+          <p:cNvSpPr/>
+          <p:nvPr/>
+        </p:nvSpPr>
+        <p:spPr>
+          <a:xfrm rot="21061164">
+            <a:off x="2293621" y="4098099"/>
+            <a:ext cx="2069337" cy="313151"/>
+          </a:xfrm>
+          <a:prstGeom prst="rightArrow">
+            <a:avLst/>
+          </a:prstGeom>
+        </p:spPr>
+        <p:style>
+          <a:lnRef idx="2">
+            <a:schemeClr val="accent1">
+              <a:shade val="50000"/>
+            </a:schemeClr>
+          </a:lnRef>
+          <a:fillRef idx="1">
+            <a:schemeClr val="accent1"/>
+          </a:fillRef>
+          <a:effectRef idx="0">
+            <a:schemeClr val="accent1"/>
+          </a:effectRef>
+          <a:fontRef idx="minor">
+            <a:schemeClr val="lt1"/>
+          </a:fontRef>
+        </p:style>
+        <p:txBody>
+          <a:bodyPr rtlCol="0" anchor="ctr"/>
+          <a:lstStyle/>
+          <a:p>
+            <a:pPr algn="ctr"/>
+            <a:endParaRPr lang="ko-KR" altLang="en-US"/>
+          </a:p>
+        </p:txBody>
+      </p:sp>
+      <p:sp>
+        <p:nvSpPr>
+          <p:cNvPr id="16" name="오른쪽 화살표 15"/>
+          <p:cNvSpPr/>
+          <p:nvPr/>
+        </p:nvSpPr>
+        <p:spPr>
+          <a:xfrm>
+            <a:off x="8430016" y="1691014"/>
+            <a:ext cx="676406" cy="325676"/>
+          </a:xfrm>
+          <a:prstGeom prst="rightArrow">
+            <a:avLst/>
+          </a:prstGeom>
+        </p:spPr>
+        <p:style>
+          <a:lnRef idx="2">
+            <a:schemeClr val="accent1">
+              <a:shade val="50000"/>
+            </a:schemeClr>
+          </a:lnRef>
+          <a:fillRef idx="1">
+            <a:schemeClr val="accent1"/>
+          </a:fillRef>
+          <a:effectRef idx="0">
+            <a:schemeClr val="accent1"/>
+          </a:effectRef>
+          <a:fontRef idx="minor">
+            <a:schemeClr val="lt1"/>
+          </a:fontRef>
+        </p:style>
+        <p:txBody>
+          <a:bodyPr rtlCol="0" anchor="ctr"/>
+          <a:lstStyle/>
+          <a:p>
+            <a:pPr algn="ctr"/>
+            <a:endParaRPr lang="ko-KR" altLang="en-US"/>
+          </a:p>
+        </p:txBody>
+      </p:sp>
+      <p:sp>
+        <p:nvSpPr>
+          <p:cNvPr id="17" name="오른쪽 화살표 16"/>
+          <p:cNvSpPr/>
+          <p:nvPr/>
+        </p:nvSpPr>
+        <p:spPr>
+          <a:xfrm>
+            <a:off x="8430016" y="3137770"/>
+            <a:ext cx="676406" cy="325676"/>
+          </a:xfrm>
+          <a:prstGeom prst="rightArrow">
+            <a:avLst/>
+          </a:prstGeom>
+        </p:spPr>
+        <p:style>
+          <a:lnRef idx="2">
+            <a:schemeClr val="accent1">
+              <a:shade val="50000"/>
+            </a:schemeClr>
+          </a:lnRef>
+          <a:fillRef idx="1">
+            <a:schemeClr val="accent1"/>
+          </a:fillRef>
+          <a:effectRef idx="0">
+            <a:schemeClr val="accent1"/>
+          </a:effectRef>
+          <a:fontRef idx="minor">
+            <a:schemeClr val="lt1"/>
+          </a:fontRef>
+        </p:style>
+        <p:txBody>
+          <a:bodyPr rtlCol="0" anchor="ctr"/>
+          <a:lstStyle/>
+          <a:p>
+            <a:pPr algn="ctr"/>
+            <a:endParaRPr lang="ko-KR" altLang="en-US"/>
+          </a:p>
+        </p:txBody>
+      </p:sp>
+      <p:sp>
+        <p:nvSpPr>
+          <p:cNvPr id="18" name="오른쪽 화살표 17"/>
+          <p:cNvSpPr/>
+          <p:nvPr/>
+        </p:nvSpPr>
+        <p:spPr>
+          <a:xfrm rot="1851713">
+            <a:off x="8430016" y="4018766"/>
+            <a:ext cx="676406" cy="325676"/>
+          </a:xfrm>
+          <a:prstGeom prst="rightArrow">
+            <a:avLst/>
+          </a:prstGeom>
+        </p:spPr>
+        <p:style>
+          <a:lnRef idx="2">
+            <a:schemeClr val="accent1">
+              <a:shade val="50000"/>
+            </a:schemeClr>
+          </a:lnRef>
+          <a:fillRef idx="1">
+            <a:schemeClr val="accent1"/>
+          </a:fillRef>
+          <a:effectRef idx="0">
+            <a:schemeClr val="accent1"/>
+          </a:effectRef>
+          <a:fontRef idx="minor">
+            <a:schemeClr val="lt1"/>
+          </a:fontRef>
+        </p:style>
+        <p:txBody>
+          <a:bodyPr rtlCol="0" anchor="ctr"/>
+          <a:lstStyle/>
+          <a:p>
+            <a:pPr algn="ctr"/>
+            <a:endParaRPr lang="ko-KR" altLang="en-US"/>
+          </a:p>
+        </p:txBody>
+      </p:sp>
+      <p:sp>
+        <p:nvSpPr>
+          <p:cNvPr id="19" name="직사각형 18"/>
+          <p:cNvSpPr/>
+          <p:nvPr/>
+        </p:nvSpPr>
+        <p:spPr>
+          <a:xfrm>
+            <a:off x="9315191" y="4181604"/>
+            <a:ext cx="1152394" cy="989556"/>
+          </a:xfrm>
+          <a:prstGeom prst="rect">
+            <a:avLst/>
+          </a:prstGeom>
+          <a:noFill/>
+          <a:ln w="63500"/>
+        </p:spPr>
+        <p:style>
+          <a:lnRef idx="2">
+            <a:schemeClr val="accent1">
+              <a:shade val="50000"/>
+            </a:schemeClr>
+          </a:lnRef>
+          <a:fillRef idx="1">
+            <a:schemeClr val="accent1"/>
+          </a:fillRef>
+          <a:effectRef idx="0">
+            <a:schemeClr val="accent1"/>
+          </a:effectRef>
+          <a:fontRef idx="minor">
+            <a:schemeClr val="lt1"/>
+          </a:fontRef>
+        </p:style>
+        <p:txBody>
+          <a:bodyPr rtlCol="0" anchor="ctr"/>
+          <a:lstStyle/>
+          <a:p>
+            <a:pPr algn="ctr"/>
+            <a:r>
+              <a:rPr lang="en-US" altLang="ko-KR" dirty="0" smtClean="0">
+                <a:solidFill>
+                  <a:schemeClr val="tx1"/>
+                </a:solidFill>
+              </a:rPr>
+              <a:t>Spark…</a:t>
+            </a:r>
+            <a:r>
+              <a:rPr lang="ko-KR" altLang="en-US" dirty="0" smtClean="0">
+                <a:solidFill>
+                  <a:schemeClr val="tx1"/>
+                </a:solidFill>
+              </a:rPr>
+              <a:t>등등</a:t>
+            </a:r>
+            <a:endParaRPr lang="ko-KR" altLang="en-US" dirty="0">
+              <a:solidFill>
+                <a:schemeClr val="tx1"/>
+              </a:solidFill>
+            </a:endParaRPr>
+          </a:p>
+        </p:txBody>
+      </p:sp>
+    </p:spTree>
+    <p:extLst>
+      <p:ext uri="{BB962C8B-B14F-4D97-AF65-F5344CB8AC3E}">
+        <p14:creationId xmlns:p14="http://schemas.microsoft.com/office/powerpoint/2010/main" val="587082993"/>
+      </p:ext>
+    </p:extLst>
+  </p:cSld>
+  <p:clrMapOvr>
+    <a:masterClrMapping/>
+  </p:clrMapOvr>
+</p:sld>
+</file>
+
 <file path=ppt/theme/theme1.xml><?xml version="1.0" encoding="utf-8"?>
 <a:theme xmlns:a="http://schemas.openxmlformats.org/drawingml/2006/main" name="Office 테마">
   <a:themeElements>
